--- a/_Presentations/05 Dictionaries-Hash-Tables-and-Sets.pptx
+++ b/_Presentations/05 Dictionaries-Hash-Tables-and-Sets.pptx
@@ -16938,7 +16938,7 @@
               <a:buAutoNum type="arabicPeriod"/>
             </a:pPr>
             <a:r>
-              <a:rPr lang="en-US" dirty="0"/>
+              <a:rPr lang="en-US" sz="3200" dirty="0"/>
               <a:t>Dictionaries</a:t>
             </a:r>
           </a:p>
@@ -16951,7 +16951,7 @@
               <a:buAutoNum type="arabicPeriod"/>
             </a:pPr>
             <a:r>
-              <a:rPr lang="en-US" dirty="0"/>
+              <a:rPr lang="en-US" sz="3200" dirty="0"/>
               <a:t>Hash Tables</a:t>
             </a:r>
           </a:p>
@@ -16964,25 +16964,25 @@
               <a:buAutoNum type="arabicPeriod"/>
             </a:pPr>
             <a:r>
-              <a:rPr lang="en-US" noProof="1">
+              <a:rPr lang="en-US" sz="3200" noProof="1">
                 <a:latin typeface="Consolas" pitchFamily="49" charset="0"/>
                 <a:cs typeface="Consolas" pitchFamily="49" charset="0"/>
               </a:rPr>
               <a:t>Dictionary&lt;TKey,</a:t>
             </a:r>
             <a:r>
-              <a:rPr lang="en-US" noProof="1"/>
+              <a:rPr lang="en-US" sz="3200" noProof="1"/>
               <a:t> </a:t>
             </a:r>
             <a:r>
-              <a:rPr lang="en-US" noProof="1">
+              <a:rPr lang="en-US" sz="3200" noProof="1">
                 <a:latin typeface="Consolas" pitchFamily="49" charset="0"/>
                 <a:cs typeface="Consolas" pitchFamily="49" charset="0"/>
               </a:rPr>
               <a:t>TValue&gt;</a:t>
             </a:r>
             <a:r>
-              <a:rPr lang="en-US" dirty="0"/>
+              <a:rPr lang="en-US" sz="3200" dirty="0"/>
               <a:t> Class</a:t>
             </a:r>
           </a:p>
@@ -16995,22 +16995,22 @@
               <a:buAutoNum type="arabicPeriod"/>
             </a:pPr>
             <a:r>
-              <a:rPr lang="en-US" dirty="0"/>
+              <a:rPr lang="en-US" sz="3200" dirty="0"/>
               <a:t>Sets: </a:t>
             </a:r>
             <a:r>
-              <a:rPr lang="en-US" noProof="1">
+              <a:rPr lang="en-US" sz="3200" noProof="1">
                 <a:latin typeface="Consolas" pitchFamily="49" charset="0"/>
                 <a:cs typeface="Consolas" pitchFamily="49" charset="0"/>
               </a:rPr>
               <a:t>HashSet&lt;T&gt;</a:t>
             </a:r>
             <a:r>
-              <a:rPr lang="en-US" dirty="0"/>
+              <a:rPr lang="en-US" sz="3200" dirty="0"/>
               <a:t> and </a:t>
             </a:r>
             <a:r>
-              <a:rPr lang="en-US" noProof="1">
+              <a:rPr lang="en-US" sz="3200" noProof="1">
                 <a:latin typeface="Consolas" pitchFamily="49" charset="0"/>
                 <a:cs typeface="Consolas" pitchFamily="49" charset="0"/>
               </a:rPr>
@@ -23911,8 +23911,8 @@
         </p:blipFill>
         <p:spPr bwMode="auto">
           <a:xfrm>
-            <a:off x="7981544" y="2778869"/>
-            <a:ext cx="1936614" cy="1906197"/>
+            <a:off x="7981543" y="2778869"/>
+            <a:ext cx="2736423" cy="2693444"/>
           </a:xfrm>
           <a:prstGeom prst="roundRect">
             <a:avLst>

--- a/_Presentations/05 Dictionaries-Hash-Tables-and-Sets.pptx
+++ b/_Presentations/05 Dictionaries-Hash-Tables-and-Sets.pptx
@@ -17089,12 +17089,7 @@
             <p:ph type="title"/>
           </p:nvPr>
         </p:nvSpPr>
-        <p:spPr>
-          <a:xfrm>
-            <a:off x="3429000" y="152400"/>
-            <a:ext cx="6934200" cy="838200"/>
-          </a:xfrm>
-        </p:spPr>
+        <p:spPr/>
         <p:txBody>
           <a:bodyPr/>
           <a:lstStyle/>
@@ -17114,7 +17109,7 @@
             <a:spLocks noGrp="1"/>
           </p:cNvSpPr>
           <p:nvPr>
-            <p:ph type="sldNum" sz="quarter" idx="10"/>
+            <p:ph type="sldNum" idx="12"/>
           </p:nvPr>
         </p:nvSpPr>
         <p:spPr/>
